--- a/02-languages/01-teoria/03 Programación Funcional.pptx
+++ b/02-languages/01-teoria/03 Programación Funcional.pptx
@@ -69,10 +69,10 @@
         </a:solidFill>
         <a:effectLst/>
         <a:uFillTx/>
-        <a:latin typeface="+mj-lt"/>
-        <a:ea typeface="+mj-ea"/>
-        <a:cs typeface="+mj-cs"/>
-        <a:sym typeface="Calibri"/>
+        <a:latin typeface="+mn-lt"/>
+        <a:ea typeface="+mn-ea"/>
+        <a:cs typeface="+mn-cs"/>
+        <a:sym typeface="Helvetica"/>
       </a:defRPr>
     </a:lvl1pPr>
     <a:lvl2pPr marL="0" marR="0" indent="0" algn="l" defTabSz="457200" rtl="0" fontAlgn="auto" latinLnBrk="0" hangingPunct="0">
@@ -99,10 +99,10 @@
         </a:solidFill>
         <a:effectLst/>
         <a:uFillTx/>
-        <a:latin typeface="+mj-lt"/>
-        <a:ea typeface="+mj-ea"/>
-        <a:cs typeface="+mj-cs"/>
-        <a:sym typeface="Calibri"/>
+        <a:latin typeface="+mn-lt"/>
+        <a:ea typeface="+mn-ea"/>
+        <a:cs typeface="+mn-cs"/>
+        <a:sym typeface="Helvetica"/>
       </a:defRPr>
     </a:lvl2pPr>
     <a:lvl3pPr marL="0" marR="0" indent="0" algn="l" defTabSz="457200" rtl="0" fontAlgn="auto" latinLnBrk="0" hangingPunct="0">
@@ -129,10 +129,10 @@
         </a:solidFill>
         <a:effectLst/>
         <a:uFillTx/>
-        <a:latin typeface="+mj-lt"/>
-        <a:ea typeface="+mj-ea"/>
-        <a:cs typeface="+mj-cs"/>
-        <a:sym typeface="Calibri"/>
+        <a:latin typeface="+mn-lt"/>
+        <a:ea typeface="+mn-ea"/>
+        <a:cs typeface="+mn-cs"/>
+        <a:sym typeface="Helvetica"/>
       </a:defRPr>
     </a:lvl3pPr>
     <a:lvl4pPr marL="0" marR="0" indent="0" algn="l" defTabSz="457200" rtl="0" fontAlgn="auto" latinLnBrk="0" hangingPunct="0">
@@ -159,10 +159,10 @@
         </a:solidFill>
         <a:effectLst/>
         <a:uFillTx/>
-        <a:latin typeface="+mj-lt"/>
-        <a:ea typeface="+mj-ea"/>
-        <a:cs typeface="+mj-cs"/>
-        <a:sym typeface="Calibri"/>
+        <a:latin typeface="+mn-lt"/>
+        <a:ea typeface="+mn-ea"/>
+        <a:cs typeface="+mn-cs"/>
+        <a:sym typeface="Helvetica"/>
       </a:defRPr>
     </a:lvl4pPr>
     <a:lvl5pPr marL="0" marR="0" indent="0" algn="l" defTabSz="457200" rtl="0" fontAlgn="auto" latinLnBrk="0" hangingPunct="0">
@@ -189,10 +189,10 @@
         </a:solidFill>
         <a:effectLst/>
         <a:uFillTx/>
-        <a:latin typeface="+mj-lt"/>
-        <a:ea typeface="+mj-ea"/>
-        <a:cs typeface="+mj-cs"/>
-        <a:sym typeface="Calibri"/>
+        <a:latin typeface="+mn-lt"/>
+        <a:ea typeface="+mn-ea"/>
+        <a:cs typeface="+mn-cs"/>
+        <a:sym typeface="Helvetica"/>
       </a:defRPr>
     </a:lvl5pPr>
     <a:lvl6pPr marL="0" marR="0" indent="0" algn="l" defTabSz="457200" rtl="0" fontAlgn="auto" latinLnBrk="0" hangingPunct="0">
@@ -219,10 +219,10 @@
         </a:solidFill>
         <a:effectLst/>
         <a:uFillTx/>
-        <a:latin typeface="+mj-lt"/>
-        <a:ea typeface="+mj-ea"/>
-        <a:cs typeface="+mj-cs"/>
-        <a:sym typeface="Calibri"/>
+        <a:latin typeface="+mn-lt"/>
+        <a:ea typeface="+mn-ea"/>
+        <a:cs typeface="+mn-cs"/>
+        <a:sym typeface="Helvetica"/>
       </a:defRPr>
     </a:lvl6pPr>
     <a:lvl7pPr marL="0" marR="0" indent="0" algn="l" defTabSz="457200" rtl="0" fontAlgn="auto" latinLnBrk="0" hangingPunct="0">
@@ -249,10 +249,10 @@
         </a:solidFill>
         <a:effectLst/>
         <a:uFillTx/>
-        <a:latin typeface="+mj-lt"/>
-        <a:ea typeface="+mj-ea"/>
-        <a:cs typeface="+mj-cs"/>
-        <a:sym typeface="Calibri"/>
+        <a:latin typeface="+mn-lt"/>
+        <a:ea typeface="+mn-ea"/>
+        <a:cs typeface="+mn-cs"/>
+        <a:sym typeface="Helvetica"/>
       </a:defRPr>
     </a:lvl7pPr>
     <a:lvl8pPr marL="0" marR="0" indent="0" algn="l" defTabSz="457200" rtl="0" fontAlgn="auto" latinLnBrk="0" hangingPunct="0">
@@ -279,10 +279,10 @@
         </a:solidFill>
         <a:effectLst/>
         <a:uFillTx/>
-        <a:latin typeface="+mj-lt"/>
-        <a:ea typeface="+mj-ea"/>
-        <a:cs typeface="+mj-cs"/>
-        <a:sym typeface="Calibri"/>
+        <a:latin typeface="+mn-lt"/>
+        <a:ea typeface="+mn-ea"/>
+        <a:cs typeface="+mn-cs"/>
+        <a:sym typeface="Helvetica"/>
       </a:defRPr>
     </a:lvl8pPr>
     <a:lvl9pPr marL="0" marR="0" indent="0" algn="l" defTabSz="457200" rtl="0" fontAlgn="auto" latinLnBrk="0" hangingPunct="0">
@@ -309,10 +309,10 @@
         </a:solidFill>
         <a:effectLst/>
         <a:uFillTx/>
-        <a:latin typeface="+mj-lt"/>
-        <a:ea typeface="+mj-ea"/>
-        <a:cs typeface="+mj-cs"/>
-        <a:sym typeface="Calibri"/>
+        <a:latin typeface="+mn-lt"/>
+        <a:ea typeface="+mn-ea"/>
+        <a:cs typeface="+mn-cs"/>
+        <a:sym typeface="Helvetica"/>
       </a:defRPr>
     </a:lvl9pPr>
   </p:defaultTextStyle>
@@ -773,7 +773,7 @@
         <p:spPr>
           <a:xfrm>
             <a:off x="6553200" y="4767262"/>
-            <a:ext cx="335864" cy="333086"/>
+            <a:ext cx="335862" cy="333084"/>
           </a:xfrm>
           <a:prstGeom prst="rect">
             <a:avLst/>
@@ -984,7 +984,7 @@
         <p:spPr>
           <a:xfrm>
             <a:off x="6553200" y="4767262"/>
-            <a:ext cx="335864" cy="333086"/>
+            <a:ext cx="335862" cy="333084"/>
           </a:xfrm>
           <a:prstGeom prst="rect">
             <a:avLst/>
@@ -1195,7 +1195,7 @@
         <p:spPr>
           <a:xfrm>
             <a:off x="6553200" y="4767262"/>
-            <a:ext cx="335864" cy="333086"/>
+            <a:ext cx="335862" cy="333084"/>
           </a:xfrm>
           <a:prstGeom prst="rect">
             <a:avLst/>
@@ -1251,7 +1251,7 @@
         <p:spPr>
           <a:xfrm>
             <a:off x="722312" y="3305176"/>
-            <a:ext cx="7772401" cy="1021558"/>
+            <a:ext cx="7772401" cy="1021559"/>
           </a:xfrm>
           <a:prstGeom prst="rect">
             <a:avLst/>
@@ -1261,12 +1261,7 @@
           <a:bodyPr anchor="t"/>
           <a:lstStyle>
             <a:lvl1pPr>
-              <a:defRPr cap="all" spc="0" sz="4000">
-                <a:latin typeface="Neo Sans Std Medium"/>
-                <a:ea typeface="Neo Sans Std Medium"/>
-                <a:cs typeface="Neo Sans Std Medium"/>
-                <a:sym typeface="Neo Sans Std Medium"/>
-              </a:defRPr>
+              <a:defRPr cap="all" spc="0" sz="4000"/>
             </a:lvl1pPr>
           </a:lstStyle>
           <a:p>
@@ -1411,7 +1406,7 @@
         <p:spPr>
           <a:xfrm>
             <a:off x="6553200" y="4767262"/>
-            <a:ext cx="335864" cy="333086"/>
+            <a:ext cx="335862" cy="333084"/>
           </a:xfrm>
           <a:prstGeom prst="rect">
             <a:avLst/>
@@ -1607,7 +1602,7 @@
         <p:spPr>
           <a:xfrm>
             <a:off x="6553200" y="4767262"/>
-            <a:ext cx="335864" cy="333086"/>
+            <a:ext cx="335862" cy="333084"/>
           </a:xfrm>
           <a:prstGeom prst="rect">
             <a:avLst/>
@@ -1695,7 +1690,7 @@
         <p:spPr>
           <a:xfrm>
             <a:off x="457200" y="1151333"/>
-            <a:ext cx="4040188" cy="479824"/>
+            <a:ext cx="4040188" cy="479825"/>
           </a:xfrm>
           <a:prstGeom prst="rect">
             <a:avLst/>
@@ -1818,7 +1813,7 @@
         <p:spPr>
           <a:xfrm>
             <a:off x="4645026" y="1151333"/>
-            <a:ext cx="4041777" cy="479824"/>
+            <a:ext cx="4041778" cy="479825"/>
           </a:xfrm>
           <a:prstGeom prst="rect">
             <a:avLst/>
@@ -1828,20 +1823,7 @@
           <a:bodyPr anchor="b"/>
           <a:lstStyle/>
           <a:p>
-            <a:pPr>
-              <a:spcBef>
-                <a:spcPts val="700"/>
-              </a:spcBef>
-              <a:defRPr sz="3200">
-                <a:solidFill>
-                  <a:srgbClr val="000000"/>
-                </a:solidFill>
-                <a:latin typeface="NeoSansStd-Regular"/>
-                <a:ea typeface="NeoSansStd-Regular"/>
-                <a:cs typeface="NeoSansStd-Regular"/>
-                <a:sym typeface="NeoSansStd-Regular"/>
-              </a:defRPr>
-            </a:pPr>
+            <a:pPr/>
           </a:p>
         </p:txBody>
       </p:sp>
@@ -1856,7 +1838,7 @@
         <p:spPr>
           <a:xfrm>
             <a:off x="6553200" y="4767262"/>
-            <a:ext cx="335864" cy="333086"/>
+            <a:ext cx="335862" cy="333084"/>
           </a:xfrm>
           <a:prstGeom prst="rect">
             <a:avLst/>
@@ -1944,7 +1926,7 @@
         <p:spPr>
           <a:xfrm>
             <a:off x="6553200" y="4767262"/>
-            <a:ext cx="335864" cy="333086"/>
+            <a:ext cx="335862" cy="333084"/>
           </a:xfrm>
           <a:prstGeom prst="rect">
             <a:avLst/>
@@ -2000,7 +1982,7 @@
         <p:spPr>
           <a:xfrm>
             <a:off x="6553200" y="4767262"/>
-            <a:ext cx="335864" cy="333086"/>
+            <a:ext cx="335862" cy="333084"/>
           </a:xfrm>
           <a:prstGeom prst="rect">
             <a:avLst/>
@@ -2056,7 +2038,7 @@
         <p:spPr>
           <a:xfrm>
             <a:off x="457201" y="204785"/>
-            <a:ext cx="3008315" cy="871540"/>
+            <a:ext cx="3008316" cy="871541"/>
           </a:xfrm>
           <a:prstGeom prst="rect">
             <a:avLst/>
@@ -2066,12 +2048,7 @@
           <a:bodyPr anchor="b"/>
           <a:lstStyle>
             <a:lvl1pPr>
-              <a:defRPr spc="0" sz="2000">
-                <a:latin typeface="Neo Sans Std Medium"/>
-                <a:ea typeface="Neo Sans Std Medium"/>
-                <a:cs typeface="Neo Sans Std Medium"/>
-                <a:sym typeface="Neo Sans Std Medium"/>
-              </a:defRPr>
+              <a:defRPr spc="0" sz="2000"/>
             </a:lvl1pPr>
           </a:lstStyle>
           <a:p>
@@ -2226,20 +2203,7 @@
           <a:bodyPr/>
           <a:lstStyle/>
           <a:p>
-            <a:pPr>
-              <a:spcBef>
-                <a:spcPts val="700"/>
-              </a:spcBef>
-              <a:defRPr sz="3200">
-                <a:solidFill>
-                  <a:srgbClr val="000000"/>
-                </a:solidFill>
-                <a:latin typeface="NeoSansStd-Regular"/>
-                <a:ea typeface="NeoSansStd-Regular"/>
-                <a:cs typeface="NeoSansStd-Regular"/>
-                <a:sym typeface="NeoSansStd-Regular"/>
-              </a:defRPr>
-            </a:pPr>
+            <a:pPr/>
           </a:p>
         </p:txBody>
       </p:sp>
@@ -2254,7 +2218,7 @@
         <p:spPr>
           <a:xfrm>
             <a:off x="6553200" y="4767262"/>
-            <a:ext cx="335864" cy="333086"/>
+            <a:ext cx="335862" cy="333084"/>
           </a:xfrm>
           <a:prstGeom prst="rect">
             <a:avLst/>
@@ -2310,7 +2274,7 @@
         <p:spPr>
           <a:xfrm>
             <a:off x="1792288" y="3600450"/>
-            <a:ext cx="5486402" cy="425054"/>
+            <a:ext cx="5486403" cy="425054"/>
           </a:xfrm>
           <a:prstGeom prst="rect">
             <a:avLst/>
@@ -2320,12 +2284,7 @@
           <a:bodyPr anchor="b"/>
           <a:lstStyle>
             <a:lvl1pPr>
-              <a:defRPr spc="0" sz="2000">
-                <a:latin typeface="Neo Sans Std Medium"/>
-                <a:ea typeface="Neo Sans Std Medium"/>
-                <a:cs typeface="Neo Sans Std Medium"/>
-                <a:sym typeface="Neo Sans Std Medium"/>
-              </a:defRPr>
+              <a:defRPr spc="0" sz="2000"/>
             </a:lvl1pPr>
           </a:lstStyle>
           <a:p>
@@ -2347,7 +2306,7 @@
         <p:spPr>
           <a:xfrm>
             <a:off x="1792288" y="459581"/>
-            <a:ext cx="5486402" cy="3086101"/>
+            <a:ext cx="5486403" cy="3086101"/>
           </a:xfrm>
           <a:prstGeom prst="rect">
             <a:avLst/>
@@ -2374,7 +2333,7 @@
         <p:spPr>
           <a:xfrm>
             <a:off x="1792288" y="4025503"/>
-            <a:ext cx="5486402" cy="603649"/>
+            <a:ext cx="5486403" cy="603650"/>
           </a:xfrm>
           <a:prstGeom prst="rect">
             <a:avLst/>
@@ -2497,7 +2456,7 @@
         <p:spPr>
           <a:xfrm>
             <a:off x="6553200" y="4767262"/>
-            <a:ext cx="335864" cy="333086"/>
+            <a:ext cx="335862" cy="333084"/>
           </a:xfrm>
           <a:prstGeom prst="rect">
             <a:avLst/>
@@ -2659,8 +2618,8 @@
         </p:nvSpPr>
         <p:spPr>
           <a:xfrm>
-            <a:off x="6294578" y="4643111"/>
-            <a:ext cx="258623" cy="248304"/>
+            <a:off x="6294581" y="4643112"/>
+            <a:ext cx="258621" cy="248302"/>
           </a:xfrm>
           <a:prstGeom prst="rect">
             <a:avLst/>
@@ -2675,7 +2634,12 @@
           </a:bodyPr>
           <a:lstStyle>
             <a:lvl1pPr algn="r">
-              <a:defRPr sz="1200"/>
+              <a:defRPr sz="1200">
+                <a:latin typeface="+mj-lt"/>
+                <a:ea typeface="+mj-ea"/>
+                <a:cs typeface="+mj-cs"/>
+                <a:sym typeface="Calibri"/>
+              </a:defRPr>
             </a:lvl1pPr>
           </a:lstStyle>
           <a:p>
@@ -3069,7 +3033,7 @@
           <a:sym typeface="Neo Sans Std Light"/>
         </a:defRPr>
       </a:lvl5pPr>
-      <a:lvl6pPr marL="2606039" marR="0" indent="-320039" algn="l" defTabSz="457200" rtl="0" latinLnBrk="0">
+      <a:lvl6pPr marL="2606038" marR="0" indent="-320038" algn="l" defTabSz="457200" rtl="0" latinLnBrk="0">
         <a:lnSpc>
           <a:spcPct val="100000"/>
         </a:lnSpc>
@@ -3095,7 +3059,7 @@
           <a:sym typeface="Neo Sans Std Light"/>
         </a:defRPr>
       </a:lvl6pPr>
-      <a:lvl7pPr marL="3063239" marR="0" indent="-320039" algn="l" defTabSz="457200" rtl="0" latinLnBrk="0">
+      <a:lvl7pPr marL="3063238" marR="0" indent="-320038" algn="l" defTabSz="457200" rtl="0" latinLnBrk="0">
         <a:lnSpc>
           <a:spcPct val="100000"/>
         </a:lnSpc>
@@ -3121,7 +3085,7 @@
           <a:sym typeface="Neo Sans Std Light"/>
         </a:defRPr>
       </a:lvl7pPr>
-      <a:lvl8pPr marL="3520439" marR="0" indent="-320039" algn="l" defTabSz="457200" rtl="0" latinLnBrk="0">
+      <a:lvl8pPr marL="3520438" marR="0" indent="-320038" algn="l" defTabSz="457200" rtl="0" latinLnBrk="0">
         <a:lnSpc>
           <a:spcPct val="100000"/>
         </a:lnSpc>
@@ -3147,7 +3111,7 @@
           <a:sym typeface="Neo Sans Std Light"/>
         </a:defRPr>
       </a:lvl8pPr>
-      <a:lvl9pPr marL="3977639" marR="0" indent="-320039" algn="l" defTabSz="457200" rtl="0" latinLnBrk="0">
+      <a:lvl9pPr marL="3977638" marR="0" indent="-320038" algn="l" defTabSz="457200" rtl="0" latinLnBrk="0">
         <a:lnSpc>
           <a:spcPct val="100000"/>
         </a:lnSpc>
@@ -3461,6 +3425,10 @@
                 <a:solidFill>
                   <a:srgbClr val="FFFFFF"/>
                 </a:solidFill>
+                <a:latin typeface="+mj-lt"/>
+                <a:ea typeface="+mj-ea"/>
+                <a:cs typeface="+mj-cs"/>
+                <a:sym typeface="Calibri"/>
               </a:defRPr>
             </a:pPr>
           </a:p>
@@ -3475,7 +3443,7 @@
         <p:spPr>
           <a:xfrm>
             <a:off x="647699" y="3442251"/>
-            <a:ext cx="8245476" cy="756002"/>
+            <a:ext cx="8245476" cy="756003"/>
           </a:xfrm>
           <a:prstGeom prst="rect">
             <a:avLst/>
@@ -3534,7 +3502,7 @@
         <p:spPr>
           <a:xfrm rot="16200000">
             <a:off x="7494248" y="3493746"/>
-            <a:ext cx="1701969" cy="1597539"/>
+            <a:ext cx="1701969" cy="1597540"/>
           </a:xfrm>
           <a:prstGeom prst="rect">
             <a:avLst/>
@@ -3691,6 +3659,10 @@
                 <a:solidFill>
                   <a:srgbClr val="FFFFFF"/>
                 </a:solidFill>
+                <a:latin typeface="+mj-lt"/>
+                <a:ea typeface="+mj-ea"/>
+                <a:cs typeface="+mj-cs"/>
+                <a:sym typeface="Calibri"/>
               </a:defRPr>
             </a:pPr>
           </a:p>
@@ -4061,57 +4033,6 @@
         </p:nvSpPr>
         <p:spPr>
           <a:xfrm>
-            <a:off x="900112" y="4149140"/>
-            <a:ext cx="7653195" cy="304801"/>
-          </a:xfrm>
-          <a:prstGeom prst="rect">
-            <a:avLst/>
-          </a:prstGeom>
-          <a:ln w="12700">
-            <a:miter lim="400000"/>
-          </a:ln>
-          <a:extLst>
-            <a:ext uri="{C572A759-6A51-4108-AA02-DFA0A04FC94B}">
-              <ma14:wrappingTextBoxFlag xmlns:ma14="http://schemas.microsoft.com/office/mac/drawingml/2011/main" val="1"/>
-            </a:ext>
-          </a:extLst>
-        </p:spPr>
-        <p:txBody>
-          <a:bodyPr lIns="0" tIns="0" rIns="0" bIns="0">
-            <a:spAutoFit/>
-          </a:bodyPr>
-          <a:lstStyle>
-            <a:lvl1pPr marL="285750" indent="-285750">
-              <a:buSzPct val="100000"/>
-              <a:buFont typeface="Arial"/>
-              <a:buChar char="•"/>
-              <a:defRPr>
-                <a:solidFill>
-                  <a:srgbClr val="242415"/>
-                </a:solidFill>
-                <a:latin typeface="Open Sans"/>
-                <a:ea typeface="Open Sans"/>
-                <a:cs typeface="Open Sans"/>
-                <a:sym typeface="Open Sans"/>
-              </a:defRPr>
-            </a:lvl1pPr>
-          </a:lstStyle>
-          <a:p>
-            <a:pPr/>
-            <a:r>
-              <a:t>Demo resolución FizzBuzz de forma funcional</a:t>
-            </a:r>
-          </a:p>
-        </p:txBody>
-      </p:sp>
-      <p:sp>
-        <p:nvSpPr>
-          <p:cNvPr id="127" name="TextBox 3"/>
-          <p:cNvSpPr txBox="1"/>
-          <p:nvPr/>
-        </p:nvSpPr>
-        <p:spPr>
-          <a:xfrm>
             <a:off x="900112" y="3781485"/>
             <a:ext cx="7653195" cy="304801"/>
           </a:xfrm>
@@ -4183,7 +4104,7 @@
       </p:grpSpPr>
       <p:sp>
         <p:nvSpPr>
-          <p:cNvPr id="129" name="Title 1"/>
+          <p:cNvPr id="128" name="Title 1"/>
           <p:cNvSpPr txBox="1"/>
           <p:nvPr>
             <p:ph type="title"/>
@@ -4223,7 +4144,7 @@
       </p:sp>
       <p:sp>
         <p:nvSpPr>
-          <p:cNvPr id="130" name="Rectángulo 17"/>
+          <p:cNvPr id="129" name="Rectángulo 17"/>
           <p:cNvSpPr/>
           <p:nvPr/>
         </p:nvSpPr>
@@ -4251,6 +4172,10 @@
                 <a:solidFill>
                   <a:srgbClr val="FFFFFF"/>
                 </a:solidFill>
+                <a:latin typeface="+mj-lt"/>
+                <a:ea typeface="+mj-ea"/>
+                <a:cs typeface="+mj-cs"/>
+                <a:sym typeface="Calibri"/>
               </a:defRPr>
             </a:pPr>
           </a:p>
@@ -4258,7 +4183,7 @@
       </p:sp>
       <p:sp>
         <p:nvSpPr>
-          <p:cNvPr id="131" name="TextBox 3"/>
+          <p:cNvPr id="130" name="TextBox 3"/>
           <p:cNvSpPr txBox="1"/>
           <p:nvPr/>
         </p:nvSpPr>
@@ -4311,7 +4236,7 @@
       </p:sp>
       <p:sp>
         <p:nvSpPr>
-          <p:cNvPr id="132" name="TextBox 3"/>
+          <p:cNvPr id="131" name="TextBox 3"/>
           <p:cNvSpPr txBox="1"/>
           <p:nvPr/>
         </p:nvSpPr>
@@ -4364,7 +4289,7 @@
       </p:sp>
       <p:sp>
         <p:nvSpPr>
-          <p:cNvPr id="133" name="TextBox 3"/>
+          <p:cNvPr id="132" name="TextBox 3"/>
           <p:cNvSpPr txBox="1"/>
           <p:nvPr/>
         </p:nvSpPr>
@@ -4424,7 +4349,7 @@
       </p:sp>
       <p:sp>
         <p:nvSpPr>
-          <p:cNvPr id="134" name="TextBox 3"/>
+          <p:cNvPr id="133" name="TextBox 3"/>
           <p:cNvSpPr txBox="1"/>
           <p:nvPr/>
         </p:nvSpPr>
@@ -4477,7 +4402,7 @@
       </p:sp>
       <p:sp>
         <p:nvSpPr>
-          <p:cNvPr id="135" name="TextBox 3"/>
+          <p:cNvPr id="134" name="TextBox 3"/>
           <p:cNvSpPr txBox="1"/>
           <p:nvPr/>
         </p:nvSpPr>
@@ -4530,7 +4455,7 @@
       </p:sp>
       <p:sp>
         <p:nvSpPr>
-          <p:cNvPr id="136" name="TextBox 3"/>
+          <p:cNvPr id="135" name="TextBox 3"/>
           <p:cNvSpPr txBox="1"/>
           <p:nvPr/>
         </p:nvSpPr>
@@ -4581,7 +4506,7 @@
       </p:sp>
       <p:sp>
         <p:nvSpPr>
-          <p:cNvPr id="137" name="TextBox 3"/>
+          <p:cNvPr id="136" name="TextBox 3"/>
           <p:cNvSpPr txBox="1"/>
           <p:nvPr/>
         </p:nvSpPr>
@@ -4632,7 +4557,7 @@
       </p:sp>
       <p:sp>
         <p:nvSpPr>
-          <p:cNvPr id="138" name="TextBox 3"/>
+          <p:cNvPr id="137" name="TextBox 3"/>
           <p:cNvSpPr txBox="1"/>
           <p:nvPr/>
         </p:nvSpPr>
@@ -4709,7 +4634,7 @@
       </p:grpSpPr>
       <p:sp>
         <p:nvSpPr>
-          <p:cNvPr id="140" name="Title 1"/>
+          <p:cNvPr id="139" name="Title 1"/>
           <p:cNvSpPr txBox="1"/>
           <p:nvPr>
             <p:ph type="title"/>
@@ -4749,7 +4674,7 @@
       </p:sp>
       <p:sp>
         <p:nvSpPr>
-          <p:cNvPr id="141" name="Rectángulo 17"/>
+          <p:cNvPr id="140" name="Rectángulo 17"/>
           <p:cNvSpPr/>
           <p:nvPr/>
         </p:nvSpPr>
@@ -4777,6 +4702,10 @@
                 <a:solidFill>
                   <a:srgbClr val="FFFFFF"/>
                 </a:solidFill>
+                <a:latin typeface="+mj-lt"/>
+                <a:ea typeface="+mj-ea"/>
+                <a:cs typeface="+mj-cs"/>
+                <a:sym typeface="Calibri"/>
               </a:defRPr>
             </a:pPr>
           </a:p>
@@ -4784,14 +4713,14 @@
       </p:sp>
       <p:sp>
         <p:nvSpPr>
-          <p:cNvPr id="142" name="Rectángulo 16"/>
+          <p:cNvPr id="141" name="Rectángulo 16"/>
           <p:cNvSpPr/>
           <p:nvPr/>
         </p:nvSpPr>
         <p:spPr>
           <a:xfrm>
-            <a:off x="1044097" y="1064530"/>
-            <a:ext cx="5575359" cy="396239"/>
+            <a:off x="1044097" y="1064529"/>
+            <a:ext cx="5579933" cy="396237"/>
           </a:xfrm>
           <a:prstGeom prst="rect">
             <a:avLst/>
@@ -4835,14 +4764,14 @@
       </p:sp>
       <p:sp>
         <p:nvSpPr>
-          <p:cNvPr id="143" name="Rectángulo 16"/>
+          <p:cNvPr id="142" name="Rectángulo 16"/>
           <p:cNvSpPr/>
           <p:nvPr/>
         </p:nvSpPr>
         <p:spPr>
           <a:xfrm>
-            <a:off x="1044097" y="2104293"/>
-            <a:ext cx="1589815" cy="396239"/>
+            <a:off x="1044096" y="2104293"/>
+            <a:ext cx="1589814" cy="396237"/>
           </a:xfrm>
           <a:prstGeom prst="rect">
             <a:avLst/>
@@ -4886,14 +4815,14 @@
       </p:sp>
       <p:sp>
         <p:nvSpPr>
-          <p:cNvPr id="144" name="Rectángulo 16"/>
+          <p:cNvPr id="143" name="Rectángulo 16"/>
           <p:cNvSpPr/>
           <p:nvPr/>
         </p:nvSpPr>
         <p:spPr>
           <a:xfrm>
-            <a:off x="1044096" y="1584412"/>
-            <a:ext cx="4704938" cy="396239"/>
+            <a:off x="1044095" y="1584412"/>
+            <a:ext cx="4734627" cy="396237"/>
           </a:xfrm>
           <a:prstGeom prst="rect">
             <a:avLst/>
@@ -4937,14 +4866,14 @@
       </p:sp>
       <p:sp>
         <p:nvSpPr>
-          <p:cNvPr id="145" name="Rectángulo 16"/>
+          <p:cNvPr id="144" name="Rectángulo 16"/>
           <p:cNvSpPr/>
           <p:nvPr/>
         </p:nvSpPr>
         <p:spPr>
           <a:xfrm>
-            <a:off x="2786308" y="2104290"/>
-            <a:ext cx="1462679" cy="396239"/>
+            <a:off x="2786308" y="2104289"/>
+            <a:ext cx="1462677" cy="396237"/>
           </a:xfrm>
           <a:prstGeom prst="rect">
             <a:avLst/>
@@ -4988,14 +4917,14 @@
       </p:sp>
       <p:sp>
         <p:nvSpPr>
-          <p:cNvPr id="146" name="Rectángulo 16"/>
+          <p:cNvPr id="145" name="Rectángulo 16"/>
           <p:cNvSpPr/>
           <p:nvPr/>
         </p:nvSpPr>
         <p:spPr>
           <a:xfrm>
-            <a:off x="1044097" y="2624173"/>
-            <a:ext cx="3548207" cy="396239"/>
+            <a:off x="1044096" y="2624172"/>
+            <a:ext cx="3557359" cy="396237"/>
           </a:xfrm>
           <a:prstGeom prst="rect">
             <a:avLst/>
@@ -5039,14 +4968,14 @@
       </p:sp>
       <p:sp>
         <p:nvSpPr>
-          <p:cNvPr id="147" name="Rectángulo 17"/>
+          <p:cNvPr id="146" name="Rectángulo 17"/>
           <p:cNvSpPr/>
           <p:nvPr/>
         </p:nvSpPr>
         <p:spPr>
           <a:xfrm>
             <a:off x="1044097" y="3144054"/>
-            <a:ext cx="1847437" cy="396239"/>
+            <a:ext cx="1847435" cy="396237"/>
           </a:xfrm>
           <a:prstGeom prst="rect">
             <a:avLst/>
@@ -5090,14 +5019,14 @@
       </p:sp>
       <p:sp>
         <p:nvSpPr>
-          <p:cNvPr id="148" name="Rectángulo 18"/>
+          <p:cNvPr id="147" name="Rectángulo 18"/>
           <p:cNvSpPr/>
           <p:nvPr/>
         </p:nvSpPr>
         <p:spPr>
           <a:xfrm>
             <a:off x="3046077" y="3144054"/>
-            <a:ext cx="1671188" cy="396239"/>
+            <a:ext cx="1671185" cy="396237"/>
           </a:xfrm>
           <a:prstGeom prst="rect">
             <a:avLst/>
@@ -5141,14 +5070,14 @@
       </p:sp>
       <p:sp>
         <p:nvSpPr>
-          <p:cNvPr id="149" name="Rectángulo 19"/>
+          <p:cNvPr id="148" name="Rectángulo 19"/>
           <p:cNvSpPr/>
           <p:nvPr/>
         </p:nvSpPr>
         <p:spPr>
           <a:xfrm>
             <a:off x="1044097" y="3663934"/>
-            <a:ext cx="2838632" cy="396239"/>
+            <a:ext cx="2852359" cy="396237"/>
           </a:xfrm>
           <a:prstGeom prst="rect">
             <a:avLst/>
@@ -5192,14 +5121,14 @@
       </p:sp>
       <p:sp>
         <p:nvSpPr>
-          <p:cNvPr id="150" name="Rectángulo 20"/>
+          <p:cNvPr id="149" name="Rectángulo 20"/>
           <p:cNvSpPr/>
           <p:nvPr/>
         </p:nvSpPr>
         <p:spPr>
           <a:xfrm>
-            <a:off x="1044096" y="4183814"/>
-            <a:ext cx="4740656" cy="396239"/>
+            <a:off x="1044095" y="4183813"/>
+            <a:ext cx="4749807" cy="396237"/>
           </a:xfrm>
           <a:prstGeom prst="rect">
             <a:avLst/>
@@ -5269,7 +5198,7 @@
       </p:grpSpPr>
       <p:sp>
         <p:nvSpPr>
-          <p:cNvPr id="152" name="Title 1"/>
+          <p:cNvPr id="151" name="Title 1"/>
           <p:cNvSpPr txBox="1"/>
           <p:nvPr>
             <p:ph type="title"/>
@@ -5309,7 +5238,7 @@
       </p:sp>
       <p:sp>
         <p:nvSpPr>
-          <p:cNvPr id="153" name="Rectángulo 17"/>
+          <p:cNvPr id="152" name="Rectángulo 17"/>
           <p:cNvSpPr/>
           <p:nvPr/>
         </p:nvSpPr>
@@ -5337,6 +5266,10 @@
                 <a:solidFill>
                   <a:srgbClr val="FFFFFF"/>
                 </a:solidFill>
+                <a:latin typeface="+mj-lt"/>
+                <a:ea typeface="+mj-ea"/>
+                <a:cs typeface="+mj-cs"/>
+                <a:sym typeface="Calibri"/>
               </a:defRPr>
             </a:pPr>
           </a:p>
@@ -5344,13 +5277,13 @@
       </p:sp>
       <p:graphicFrame>
         <p:nvGraphicFramePr>
-          <p:cNvPr id="154" name="Table 10"/>
+          <p:cNvPr id="153" name="Table 10"/>
           <p:cNvGraphicFramePr/>
           <p:nvPr/>
         </p:nvGraphicFramePr>
         <p:xfrm>
           <a:off x="688964" y="1171197"/>
-          <a:ext cx="7840471" cy="2904224"/>
+          <a:ext cx="7840472" cy="2904225"/>
         </p:xfrm>
         <a:graphic xmlns:a="http://schemas.openxmlformats.org/drawingml/2006/main">
           <a:graphicData uri="http://schemas.openxmlformats.org/drawingml/2006/table">
@@ -5972,7 +5905,7 @@
       </p:grpSpPr>
       <p:pic>
         <p:nvPicPr>
-          <p:cNvPr id="156" name="Imagen 5" descr="Imagen 5"/>
+          <p:cNvPr id="155" name="Imagen 5" descr="Imagen 5"/>
           <p:cNvPicPr>
             <a:picLocks noChangeAspect="0"/>
           </p:cNvPicPr>
@@ -5989,7 +5922,7 @@
         <p:spPr>
           <a:xfrm>
             <a:off x="2740790" y="788750"/>
-            <a:ext cx="3810002" cy="2143126"/>
+            <a:ext cx="3810003" cy="2143126"/>
           </a:xfrm>
           <a:prstGeom prst="rect">
             <a:avLst/>
@@ -6001,14 +5934,14 @@
       </p:pic>
       <p:sp>
         <p:nvSpPr>
-          <p:cNvPr id="157" name="Rectángulo 6"/>
+          <p:cNvPr id="156" name="Rectángulo 6"/>
           <p:cNvSpPr/>
           <p:nvPr/>
         </p:nvSpPr>
         <p:spPr>
           <a:xfrm rot="5400000">
             <a:off x="4426749" y="2036653"/>
-            <a:ext cx="252002" cy="3395928"/>
+            <a:ext cx="252003" cy="3395928"/>
           </a:xfrm>
           <a:prstGeom prst="rect">
             <a:avLst/>
@@ -6029,6 +5962,10 @@
                 <a:solidFill>
                   <a:srgbClr val="FFFFFF"/>
                 </a:solidFill>
+                <a:latin typeface="+mj-lt"/>
+                <a:ea typeface="+mj-ea"/>
+                <a:cs typeface="+mj-cs"/>
+                <a:sym typeface="Calibri"/>
               </a:defRPr>
             </a:pPr>
           </a:p>
@@ -6036,14 +5973,14 @@
       </p:sp>
       <p:sp>
         <p:nvSpPr>
-          <p:cNvPr id="158" name="Title 1"/>
+          <p:cNvPr id="157" name="Title 1"/>
           <p:cNvSpPr txBox="1"/>
           <p:nvPr/>
         </p:nvSpPr>
         <p:spPr>
           <a:xfrm>
             <a:off x="2854786" y="3044163"/>
-            <a:ext cx="3434426" cy="622301"/>
+            <a:ext cx="3434427" cy="622301"/>
           </a:xfrm>
           <a:prstGeom prst="rect">
             <a:avLst/>
@@ -6113,7 +6050,7 @@
       </p:grpSpPr>
       <p:sp>
         <p:nvSpPr>
-          <p:cNvPr id="160" name="Rectángulo 3"/>
+          <p:cNvPr id="159" name="Rectángulo 3"/>
           <p:cNvSpPr/>
           <p:nvPr/>
         </p:nvSpPr>
@@ -6141,6 +6078,10 @@
                 <a:solidFill>
                   <a:srgbClr val="FFFFFF"/>
                 </a:solidFill>
+                <a:latin typeface="+mj-lt"/>
+                <a:ea typeface="+mj-ea"/>
+                <a:cs typeface="+mj-cs"/>
+                <a:sym typeface="Calibri"/>
               </a:defRPr>
             </a:pPr>
           </a:p>
@@ -6148,7 +6089,7 @@
       </p:sp>
       <p:pic>
         <p:nvPicPr>
-          <p:cNvPr id="161" name="Gráfico 10" descr="Gráfico 10"/>
+          <p:cNvPr id="160" name="Gráfico 10" descr="Gráfico 10"/>
           <p:cNvPicPr>
             <a:picLocks noChangeAspect="1"/>
           </p:cNvPicPr>
@@ -6177,7 +6118,7 @@
       </p:pic>
       <p:pic>
         <p:nvPicPr>
-          <p:cNvPr id="162" name="Gráfico 13" descr="Gráfico 13"/>
+          <p:cNvPr id="161" name="Gráfico 13" descr="Gráfico 13"/>
           <p:cNvPicPr>
             <a:picLocks noChangeAspect="1"/>
           </p:cNvPicPr>
@@ -6194,7 +6135,7 @@
         <p:spPr>
           <a:xfrm>
             <a:off x="4218292" y="4329110"/>
-            <a:ext cx="360002" cy="360002"/>
+            <a:ext cx="360003" cy="360003"/>
           </a:xfrm>
           <a:prstGeom prst="rect">
             <a:avLst/>
@@ -6206,7 +6147,7 @@
       </p:pic>
       <p:pic>
         <p:nvPicPr>
-          <p:cNvPr id="163" name="Gráfico 15" descr="Gráfico 15"/>
+          <p:cNvPr id="162" name="Gráfico 15" descr="Gráfico 15"/>
           <p:cNvPicPr>
             <a:picLocks noChangeAspect="1"/>
           </p:cNvPicPr>
@@ -6223,7 +6164,7 @@
         <p:spPr>
           <a:xfrm>
             <a:off x="4218292" y="3786080"/>
-            <a:ext cx="360002" cy="360002"/>
+            <a:ext cx="360003" cy="360003"/>
           </a:xfrm>
           <a:prstGeom prst="rect">
             <a:avLst/>
@@ -6235,7 +6176,7 @@
       </p:pic>
       <p:pic>
         <p:nvPicPr>
-          <p:cNvPr id="164" name="Gráfico 17" descr="Gráfico 17"/>
+          <p:cNvPr id="163" name="Gráfico 17" descr="Gráfico 17"/>
           <p:cNvPicPr>
             <a:picLocks noChangeAspect="1"/>
           </p:cNvPicPr>
@@ -6252,7 +6193,7 @@
         <p:spPr>
           <a:xfrm>
             <a:off x="1365920" y="4333776"/>
-            <a:ext cx="360002" cy="360002"/>
+            <a:ext cx="360003" cy="360003"/>
           </a:xfrm>
           <a:prstGeom prst="rect">
             <a:avLst/>
@@ -6264,7 +6205,7 @@
       </p:pic>
       <p:pic>
         <p:nvPicPr>
-          <p:cNvPr id="165" name="Gráfico 2" descr="Gráfico 2"/>
+          <p:cNvPr id="164" name="Gráfico 2" descr="Gráfico 2"/>
           <p:cNvPicPr>
             <a:picLocks noChangeAspect="1"/>
           </p:cNvPicPr>
@@ -6281,7 +6222,7 @@
         <p:spPr>
           <a:xfrm>
             <a:off x="1365920" y="3800404"/>
-            <a:ext cx="360002" cy="360002"/>
+            <a:ext cx="360003" cy="360003"/>
           </a:xfrm>
           <a:prstGeom prst="rect">
             <a:avLst/>
@@ -6293,28 +6234,28 @@
       </p:pic>
       <p:grpSp>
         <p:nvGrpSpPr>
-          <p:cNvPr id="170" name="Grupo 5"/>
+          <p:cNvPr id="169" name="Grupo 5"/>
           <p:cNvGrpSpPr/>
           <p:nvPr/>
         </p:nvGrpSpPr>
         <p:grpSpPr>
           <a:xfrm>
-            <a:off x="1771310" y="3781414"/>
-            <a:ext cx="6298733" cy="918536"/>
+            <a:off x="1771308" y="3781413"/>
+            <a:ext cx="6298736" cy="918535"/>
             <a:chOff x="0" y="0"/>
-            <a:chExt cx="6298731" cy="918535"/>
+            <a:chExt cx="6298734" cy="918534"/>
           </a:xfrm>
         </p:grpSpPr>
         <p:sp>
           <p:nvSpPr>
-            <p:cNvPr id="166" name="CuadroTexto 18"/>
+            <p:cNvPr id="165" name="CuadroTexto 18"/>
             <p:cNvSpPr txBox="1"/>
             <p:nvPr/>
           </p:nvSpPr>
           <p:spPr>
             <a:xfrm>
               <a:off x="2852369" y="-1"/>
-              <a:ext cx="3282597" cy="370839"/>
+              <a:ext cx="3282599" cy="370837"/>
             </a:xfrm>
             <a:prstGeom prst="rect">
               <a:avLst/>
@@ -6358,14 +6299,14 @@
         </p:sp>
         <p:sp>
           <p:nvSpPr>
-            <p:cNvPr id="167" name="CuadroTexto 7"/>
+            <p:cNvPr id="166" name="CuadroTexto 7"/>
             <p:cNvSpPr txBox="1"/>
             <p:nvPr/>
           </p:nvSpPr>
           <p:spPr>
             <a:xfrm>
               <a:off x="-1" y="547697"/>
-              <a:ext cx="1972173" cy="370839"/>
+              <a:ext cx="1972174" cy="370837"/>
             </a:xfrm>
             <a:prstGeom prst="rect">
               <a:avLst/>
@@ -6409,14 +6350,14 @@
         </p:sp>
         <p:sp>
           <p:nvSpPr>
-            <p:cNvPr id="168" name="CuadroTexto 8"/>
+            <p:cNvPr id="167" name="CuadroTexto 8"/>
             <p:cNvSpPr txBox="1"/>
             <p:nvPr/>
           </p:nvSpPr>
           <p:spPr>
             <a:xfrm>
               <a:off x="2852369" y="543031"/>
-              <a:ext cx="3446363" cy="370839"/>
+              <a:ext cx="3446365" cy="370837"/>
             </a:xfrm>
             <a:prstGeom prst="rect">
               <a:avLst/>
@@ -6460,14 +6401,14 @@
         </p:sp>
         <p:sp>
           <p:nvSpPr>
-            <p:cNvPr id="169" name="CuadroTexto 12"/>
+            <p:cNvPr id="168" name="CuadroTexto 12"/>
             <p:cNvSpPr txBox="1"/>
             <p:nvPr/>
           </p:nvSpPr>
           <p:spPr>
             <a:xfrm>
               <a:off x="5136" y="14325"/>
-              <a:ext cx="2027659" cy="370839"/>
+              <a:ext cx="2027660" cy="370837"/>
             </a:xfrm>
             <a:prstGeom prst="rect">
               <a:avLst/>
@@ -6750,10 +6691,10 @@
             </a:solidFill>
             <a:effectLst/>
             <a:uFillTx/>
-            <a:latin typeface="+mj-lt"/>
-            <a:ea typeface="+mj-ea"/>
-            <a:cs typeface="+mj-cs"/>
-            <a:sym typeface="Calibri"/>
+            <a:latin typeface="+mn-lt"/>
+            <a:ea typeface="+mn-ea"/>
+            <a:cs typeface="+mn-cs"/>
+            <a:sym typeface="Helvetica"/>
           </a:defRPr>
         </a:defPPr>
         <a:lvl1pPr marL="0" marR="0" indent="0" algn="l" defTabSz="914400" rtl="0" fontAlgn="auto" latinLnBrk="1" hangingPunct="0">
@@ -7321,10 +7262,10 @@
             </a:solidFill>
             <a:effectLst/>
             <a:uFillTx/>
-            <a:latin typeface="+mj-lt"/>
-            <a:ea typeface="+mj-ea"/>
-            <a:cs typeface="+mj-cs"/>
-            <a:sym typeface="Calibri"/>
+            <a:latin typeface="+mn-lt"/>
+            <a:ea typeface="+mn-ea"/>
+            <a:cs typeface="+mn-cs"/>
+            <a:sym typeface="Helvetica"/>
           </a:defRPr>
         </a:defPPr>
         <a:lvl1pPr marL="0" marR="0" indent="0" algn="l" defTabSz="914400" rtl="0" fontAlgn="auto" latinLnBrk="1" hangingPunct="0">
@@ -7804,10 +7745,10 @@
             </a:solidFill>
             <a:effectLst/>
             <a:uFillTx/>
-            <a:latin typeface="+mj-lt"/>
-            <a:ea typeface="+mj-ea"/>
-            <a:cs typeface="+mj-cs"/>
-            <a:sym typeface="Calibri"/>
+            <a:latin typeface="+mn-lt"/>
+            <a:ea typeface="+mn-ea"/>
+            <a:cs typeface="+mn-cs"/>
+            <a:sym typeface="Helvetica"/>
           </a:defRPr>
         </a:defPPr>
         <a:lvl1pPr marL="0" marR="0" indent="0" algn="l" defTabSz="914400" rtl="0" fontAlgn="auto" latinLnBrk="1" hangingPunct="0">
@@ -8375,10 +8316,10 @@
             </a:solidFill>
             <a:effectLst/>
             <a:uFillTx/>
-            <a:latin typeface="+mj-lt"/>
-            <a:ea typeface="+mj-ea"/>
-            <a:cs typeface="+mj-cs"/>
-            <a:sym typeface="Calibri"/>
+            <a:latin typeface="+mn-lt"/>
+            <a:ea typeface="+mn-ea"/>
+            <a:cs typeface="+mn-cs"/>
+            <a:sym typeface="Helvetica"/>
           </a:defRPr>
         </a:defPPr>
         <a:lvl1pPr marL="0" marR="0" indent="0" algn="l" defTabSz="914400" rtl="0" fontAlgn="auto" latinLnBrk="1" hangingPunct="0">
